--- a/MOG Project/Präsentation_Binder_Klinar.pptx
+++ b/MOG Project/Präsentation_Binder_Klinar.pptx
@@ -7,10 +7,8 @@
   <p:sldIdLst>
     <p:sldId id="256" r:id="rId2"/>
     <p:sldId id="259" r:id="rId3"/>
-    <p:sldId id="260" r:id="rId4"/>
-    <p:sldId id="261" r:id="rId5"/>
-    <p:sldId id="262" r:id="rId6"/>
-    <p:sldId id="258" r:id="rId7"/>
+    <p:sldId id="262" r:id="rId4"/>
+    <p:sldId id="258" r:id="rId5"/>
   </p:sldIdLst>
   <p:sldSz cx="12192000" cy="6858000"/>
   <p:notesSz cx="6858000" cy="9144000"/>
@@ -5159,15 +5157,47 @@
               <a:rPr lang="de-DE" dirty="0">
                 <a:latin typeface="04b11" panose="00000400000000000000" pitchFamily="2" charset="0"/>
               </a:rPr>
-              <a:t>2D JUMP AND RUN</a:t>
-            </a:r>
-          </a:p>
-          <a:p>
+              <a:t>2D Jump n Run</a:t>
+            </a:r>
+          </a:p>
+          <a:p>
+            <a:r>
+              <a:rPr lang="de-DE" dirty="0" err="1">
+                <a:latin typeface="04b11" panose="00000400000000000000" pitchFamily="2" charset="0"/>
+              </a:rPr>
+              <a:t>Map</a:t>
+            </a:r>
             <a:r>
               <a:rPr lang="de-DE" dirty="0">
                 <a:latin typeface="04b11" panose="00000400000000000000" pitchFamily="2" charset="0"/>
               </a:rPr>
-              <a:t>MAP IST GEGNER</a:t>
+              <a:t> ist der Gegner</a:t>
+            </a:r>
+          </a:p>
+          <a:p>
+            <a:r>
+              <a:rPr lang="de-DE" dirty="0">
+                <a:latin typeface="04b11" panose="00000400000000000000" pitchFamily="2" charset="0"/>
+              </a:rPr>
+              <a:t>Finde das geheime Artefakt</a:t>
+            </a:r>
+          </a:p>
+          <a:p>
+            <a:endParaRPr lang="de-DE" dirty="0">
+              <a:latin typeface="04b11" panose="00000400000000000000" pitchFamily="2" charset="0"/>
+            </a:endParaRPr>
+          </a:p>
+          <a:p>
+            <a:endParaRPr lang="de-DE" dirty="0">
+              <a:latin typeface="04b11" panose="00000400000000000000" pitchFamily="2" charset="0"/>
+            </a:endParaRPr>
+          </a:p>
+          <a:p>
+            <a:r>
+              <a:rPr lang="de-DE" dirty="0">
+                <a:latin typeface="04b11" panose="00000400000000000000" pitchFamily="2" charset="0"/>
+              </a:rPr>
+              <a:t>Checkpoints gegen Frust</a:t>
             </a:r>
           </a:p>
         </p:txBody>
@@ -5800,1834 +5830,6 @@
         </p:blipFill>
         <p:spPr>
           <a:xfrm>
-            <a:off x="1691209" y="3429000"/>
-            <a:ext cx="691868" cy="698892"/>
-          </a:xfrm>
-          <a:prstGeom prst="rect">
-            <a:avLst/>
-          </a:prstGeom>
-        </p:spPr>
-      </p:pic>
-      <p:pic>
-        <p:nvPicPr>
-          <p:cNvPr id="25" name="Grafik 24">
-            <a:extLst>
-              <a:ext uri="{FF2B5EF4-FFF2-40B4-BE49-F238E27FC236}">
-                <a16:creationId xmlns:a16="http://schemas.microsoft.com/office/drawing/2014/main" id="{4AAC6E2D-B808-43D2-8D3C-D49CB0065802}"/>
-              </a:ext>
-            </a:extLst>
-          </p:cNvPr>
-          <p:cNvPicPr>
-            <a:picLocks noChangeAspect="1"/>
-          </p:cNvPicPr>
-          <p:nvPr/>
-        </p:nvPicPr>
-        <p:blipFill>
-          <a:blip r:embed="rId3"/>
-          <a:stretch>
-            <a:fillRect/>
-          </a:stretch>
-        </p:blipFill>
-        <p:spPr>
-          <a:xfrm>
-            <a:off x="999341" y="3429000"/>
-            <a:ext cx="691868" cy="698892"/>
-          </a:xfrm>
-          <a:prstGeom prst="rect">
-            <a:avLst/>
-          </a:prstGeom>
-        </p:spPr>
-      </p:pic>
-      <p:pic>
-        <p:nvPicPr>
-          <p:cNvPr id="26" name="Grafik 25">
-            <a:extLst>
-              <a:ext uri="{FF2B5EF4-FFF2-40B4-BE49-F238E27FC236}">
-                <a16:creationId xmlns:a16="http://schemas.microsoft.com/office/drawing/2014/main" id="{A4184A2B-FD42-4EC9-898B-99914400C9FC}"/>
-              </a:ext>
-            </a:extLst>
-          </p:cNvPr>
-          <p:cNvPicPr>
-            <a:picLocks noChangeAspect="1"/>
-          </p:cNvPicPr>
-          <p:nvPr/>
-        </p:nvPicPr>
-        <p:blipFill>
-          <a:blip r:embed="rId3"/>
-          <a:stretch>
-            <a:fillRect/>
-          </a:stretch>
-        </p:blipFill>
-        <p:spPr>
-          <a:xfrm>
-            <a:off x="9190973" y="929159"/>
-            <a:ext cx="691868" cy="698892"/>
-          </a:xfrm>
-          <a:prstGeom prst="rect">
-            <a:avLst/>
-          </a:prstGeom>
-        </p:spPr>
-      </p:pic>
-      <p:pic>
-        <p:nvPicPr>
-          <p:cNvPr id="27" name="Grafik 26">
-            <a:extLst>
-              <a:ext uri="{FF2B5EF4-FFF2-40B4-BE49-F238E27FC236}">
-                <a16:creationId xmlns:a16="http://schemas.microsoft.com/office/drawing/2014/main" id="{D8827366-A08A-4B5E-AFBF-C0A1807D3DE8}"/>
-              </a:ext>
-            </a:extLst>
-          </p:cNvPr>
-          <p:cNvPicPr>
-            <a:picLocks noChangeAspect="1"/>
-          </p:cNvPicPr>
-          <p:nvPr/>
-        </p:nvPicPr>
-        <p:blipFill>
-          <a:blip r:embed="rId3"/>
-          <a:stretch>
-            <a:fillRect/>
-          </a:stretch>
-        </p:blipFill>
-        <p:spPr>
-          <a:xfrm>
-            <a:off x="9878666" y="924759"/>
-            <a:ext cx="691868" cy="698892"/>
-          </a:xfrm>
-          <a:prstGeom prst="rect">
-            <a:avLst/>
-          </a:prstGeom>
-        </p:spPr>
-      </p:pic>
-      <p:pic>
-        <p:nvPicPr>
-          <p:cNvPr id="28" name="Grafik 27">
-            <a:extLst>
-              <a:ext uri="{FF2B5EF4-FFF2-40B4-BE49-F238E27FC236}">
-                <a16:creationId xmlns:a16="http://schemas.microsoft.com/office/drawing/2014/main" id="{4802CB70-C7BB-40B4-AE25-99697050CBAE}"/>
-              </a:ext>
-            </a:extLst>
-          </p:cNvPr>
-          <p:cNvPicPr>
-            <a:picLocks noChangeAspect="1"/>
-          </p:cNvPicPr>
-          <p:nvPr/>
-        </p:nvPicPr>
-        <p:blipFill>
-          <a:blip r:embed="rId3"/>
-          <a:stretch>
-            <a:fillRect/>
-          </a:stretch>
-        </p:blipFill>
-        <p:spPr>
-          <a:xfrm>
-            <a:off x="10570534" y="924759"/>
-            <a:ext cx="691868" cy="698892"/>
-          </a:xfrm>
-          <a:prstGeom prst="rect">
-            <a:avLst/>
-          </a:prstGeom>
-        </p:spPr>
-      </p:pic>
-      <p:pic>
-        <p:nvPicPr>
-          <p:cNvPr id="29" name="Grafik 28">
-            <a:extLst>
-              <a:ext uri="{FF2B5EF4-FFF2-40B4-BE49-F238E27FC236}">
-                <a16:creationId xmlns:a16="http://schemas.microsoft.com/office/drawing/2014/main" id="{B3AB129A-4757-4C60-86DE-00C7E53C4C79}"/>
-              </a:ext>
-            </a:extLst>
-          </p:cNvPr>
-          <p:cNvPicPr>
-            <a:picLocks noChangeAspect="1"/>
-          </p:cNvPicPr>
-          <p:nvPr/>
-        </p:nvPicPr>
-        <p:blipFill>
-          <a:blip r:embed="rId4"/>
-          <a:stretch>
-            <a:fillRect/>
-          </a:stretch>
-        </p:blipFill>
-        <p:spPr>
-          <a:xfrm>
-            <a:off x="8481329" y="929159"/>
-            <a:ext cx="709644" cy="698892"/>
-          </a:xfrm>
-          <a:prstGeom prst="rect">
-            <a:avLst/>
-          </a:prstGeom>
-        </p:spPr>
-      </p:pic>
-      <p:pic>
-        <p:nvPicPr>
-          <p:cNvPr id="30" name="Grafik 29">
-            <a:extLst>
-              <a:ext uri="{FF2B5EF4-FFF2-40B4-BE49-F238E27FC236}">
-                <a16:creationId xmlns:a16="http://schemas.microsoft.com/office/drawing/2014/main" id="{F3AF01F2-4A89-4016-9A02-C6035E7E0668}"/>
-              </a:ext>
-            </a:extLst>
-          </p:cNvPr>
-          <p:cNvPicPr>
-            <a:picLocks noChangeAspect="1"/>
-          </p:cNvPicPr>
-          <p:nvPr/>
-        </p:nvPicPr>
-        <p:blipFill>
-          <a:blip r:embed="rId5"/>
-          <a:stretch>
-            <a:fillRect/>
-          </a:stretch>
-        </p:blipFill>
-        <p:spPr>
-          <a:xfrm>
-            <a:off x="7963294" y="1122363"/>
-            <a:ext cx="504825" cy="495300"/>
-          </a:xfrm>
-          <a:prstGeom prst="rect">
-            <a:avLst/>
-          </a:prstGeom>
-        </p:spPr>
-      </p:pic>
-      <p:pic>
-        <p:nvPicPr>
-          <p:cNvPr id="31" name="Grafik 30">
-            <a:extLst>
-              <a:ext uri="{FF2B5EF4-FFF2-40B4-BE49-F238E27FC236}">
-                <a16:creationId xmlns:a16="http://schemas.microsoft.com/office/drawing/2014/main" id="{179D4D4D-3961-4EB3-A341-0A5398F2DC0F}"/>
-              </a:ext>
-            </a:extLst>
-          </p:cNvPr>
-          <p:cNvPicPr>
-            <a:picLocks noChangeAspect="1"/>
-          </p:cNvPicPr>
-          <p:nvPr/>
-        </p:nvPicPr>
-        <p:blipFill>
-          <a:blip r:embed="rId5"/>
-          <a:stretch>
-            <a:fillRect/>
-          </a:stretch>
-        </p:blipFill>
-        <p:spPr>
-          <a:xfrm>
-            <a:off x="10744769" y="411346"/>
-            <a:ext cx="504825" cy="495300"/>
-          </a:xfrm>
-          <a:prstGeom prst="rect">
-            <a:avLst/>
-          </a:prstGeom>
-        </p:spPr>
-      </p:pic>
-      <p:sp>
-        <p:nvSpPr>
-          <p:cNvPr id="34" name="Titel 33">
-            <a:extLst>
-              <a:ext uri="{FF2B5EF4-FFF2-40B4-BE49-F238E27FC236}">
-                <a16:creationId xmlns:a16="http://schemas.microsoft.com/office/drawing/2014/main" id="{A2038360-AA52-41DA-BC30-56B2639F5187}"/>
-              </a:ext>
-            </a:extLst>
-          </p:cNvPr>
-          <p:cNvSpPr>
-            <a:spLocks noGrp="1"/>
-          </p:cNvSpPr>
-          <p:nvPr>
-            <p:ph type="title"/>
-          </p:nvPr>
-        </p:nvSpPr>
-        <p:spPr/>
-        <p:txBody>
-          <a:bodyPr/>
-          <a:lstStyle/>
-          <a:p>
-            <a:r>
-              <a:rPr lang="de-DE" dirty="0">
-                <a:latin typeface="04b11" panose="00000400000000000000" pitchFamily="2" charset="0"/>
-              </a:rPr>
-              <a:t>FEATURES</a:t>
-            </a:r>
-          </a:p>
-        </p:txBody>
-      </p:sp>
-      <p:sp>
-        <p:nvSpPr>
-          <p:cNvPr id="35" name="Inhaltsplatzhalter 34">
-            <a:extLst>
-              <a:ext uri="{FF2B5EF4-FFF2-40B4-BE49-F238E27FC236}">
-                <a16:creationId xmlns:a16="http://schemas.microsoft.com/office/drawing/2014/main" id="{37C8D8BF-9785-4272-8918-EA17F43ECA84}"/>
-              </a:ext>
-            </a:extLst>
-          </p:cNvPr>
-          <p:cNvSpPr>
-            <a:spLocks noGrp="1"/>
-          </p:cNvSpPr>
-          <p:nvPr>
-            <p:ph idx="1"/>
-          </p:nvPr>
-        </p:nvSpPr>
-        <p:spPr/>
-        <p:txBody>
-          <a:bodyPr/>
-          <a:lstStyle/>
-          <a:p>
-            <a:r>
-              <a:rPr lang="de-DE" dirty="0">
-                <a:latin typeface="04b11" panose="00000400000000000000" pitchFamily="2" charset="0"/>
-              </a:rPr>
-              <a:t>Quelle</a:t>
-            </a:r>
-          </a:p>
-          <a:p>
-            <a:r>
-              <a:rPr lang="de-DE" dirty="0">
-                <a:latin typeface="04b11" panose="00000400000000000000" pitchFamily="2" charset="0"/>
-              </a:rPr>
-              <a:t>Tool mit dem sie gemacht wurden</a:t>
-            </a:r>
-          </a:p>
-        </p:txBody>
-      </p:sp>
-    </p:spTree>
-    <p:extLst>
-      <p:ext uri="{BB962C8B-B14F-4D97-AF65-F5344CB8AC3E}">
-        <p14:creationId xmlns:p14="http://schemas.microsoft.com/office/powerpoint/2010/main" val="47661068"/>
-      </p:ext>
-    </p:extLst>
-  </p:cSld>
-  <p:clrMapOvr>
-    <a:masterClrMapping/>
-  </p:clrMapOvr>
-</p:sld>
-</file>
-
-<file path=ppt/slides/slide4.xml><?xml version="1.0" encoding="utf-8"?>
-<p:sld xmlns:a="http://schemas.openxmlformats.org/drawingml/2006/main" xmlns:r="http://schemas.openxmlformats.org/officeDocument/2006/relationships" xmlns:p="http://schemas.openxmlformats.org/presentationml/2006/main">
-  <p:cSld>
-    <p:spTree>
-      <p:nvGrpSpPr>
-        <p:cNvPr id="1" name=""/>
-        <p:cNvGrpSpPr/>
-        <p:nvPr/>
-      </p:nvGrpSpPr>
-      <p:grpSpPr>
-        <a:xfrm>
-          <a:off x="0" y="0"/>
-          <a:ext cx="0" cy="0"/>
-          <a:chOff x="0" y="0"/>
-          <a:chExt cx="0" cy="0"/>
-        </a:xfrm>
-      </p:grpSpPr>
-      <p:pic>
-        <p:nvPicPr>
-          <p:cNvPr id="7" name="Grafik 6">
-            <a:extLst>
-              <a:ext uri="{FF2B5EF4-FFF2-40B4-BE49-F238E27FC236}">
-                <a16:creationId xmlns:a16="http://schemas.microsoft.com/office/drawing/2014/main" id="{C5029B18-298F-4E58-BA66-29E6E2986D7D}"/>
-              </a:ext>
-            </a:extLst>
-          </p:cNvPr>
-          <p:cNvPicPr>
-            <a:picLocks noChangeAspect="1"/>
-          </p:cNvPicPr>
-          <p:nvPr/>
-        </p:nvPicPr>
-        <p:blipFill>
-          <a:blip r:embed="rId2">
-            <a:extLst>
-              <a:ext uri="{28A0092B-C50C-407E-A947-70E740481C1C}">
-                <a14:useLocalDpi xmlns:a14="http://schemas.microsoft.com/office/drawing/2010/main" val="0"/>
-              </a:ext>
-            </a:extLst>
-          </a:blip>
-          <a:stretch>
-            <a:fillRect/>
-          </a:stretch>
-        </p:blipFill>
-        <p:spPr>
-          <a:xfrm>
-            <a:off x="0" y="6063641"/>
-            <a:ext cx="794359" cy="794359"/>
-          </a:xfrm>
-          <a:prstGeom prst="rect">
-            <a:avLst/>
-          </a:prstGeom>
-        </p:spPr>
-      </p:pic>
-      <p:pic>
-        <p:nvPicPr>
-          <p:cNvPr id="8" name="Grafik 7">
-            <a:extLst>
-              <a:ext uri="{FF2B5EF4-FFF2-40B4-BE49-F238E27FC236}">
-                <a16:creationId xmlns:a16="http://schemas.microsoft.com/office/drawing/2014/main" id="{2121D15E-C289-44A8-AE9F-7A13B354C962}"/>
-              </a:ext>
-            </a:extLst>
-          </p:cNvPr>
-          <p:cNvPicPr>
-            <a:picLocks noChangeAspect="1"/>
-          </p:cNvPicPr>
-          <p:nvPr/>
-        </p:nvPicPr>
-        <p:blipFill>
-          <a:blip r:embed="rId2">
-            <a:extLst>
-              <a:ext uri="{28A0092B-C50C-407E-A947-70E740481C1C}">
-                <a14:useLocalDpi xmlns:a14="http://schemas.microsoft.com/office/drawing/2010/main" val="0"/>
-              </a:ext>
-            </a:extLst>
-          </a:blip>
-          <a:stretch>
-            <a:fillRect/>
-          </a:stretch>
-        </p:blipFill>
-        <p:spPr>
-          <a:xfrm>
-            <a:off x="794359" y="6063641"/>
-            <a:ext cx="794359" cy="794359"/>
-          </a:xfrm>
-          <a:prstGeom prst="rect">
-            <a:avLst/>
-          </a:prstGeom>
-        </p:spPr>
-      </p:pic>
-      <p:pic>
-        <p:nvPicPr>
-          <p:cNvPr id="9" name="Grafik 8">
-            <a:extLst>
-              <a:ext uri="{FF2B5EF4-FFF2-40B4-BE49-F238E27FC236}">
-                <a16:creationId xmlns:a16="http://schemas.microsoft.com/office/drawing/2014/main" id="{F718AE0C-A161-495A-B50D-1A5B92646F59}"/>
-              </a:ext>
-            </a:extLst>
-          </p:cNvPr>
-          <p:cNvPicPr>
-            <a:picLocks noChangeAspect="1"/>
-          </p:cNvPicPr>
-          <p:nvPr/>
-        </p:nvPicPr>
-        <p:blipFill>
-          <a:blip r:embed="rId2">
-            <a:extLst>
-              <a:ext uri="{28A0092B-C50C-407E-A947-70E740481C1C}">
-                <a14:useLocalDpi xmlns:a14="http://schemas.microsoft.com/office/drawing/2010/main" val="0"/>
-              </a:ext>
-            </a:extLst>
-          </a:blip>
-          <a:stretch>
-            <a:fillRect/>
-          </a:stretch>
-        </p:blipFill>
-        <p:spPr>
-          <a:xfrm>
-            <a:off x="1588718" y="6063641"/>
-            <a:ext cx="794359" cy="794359"/>
-          </a:xfrm>
-          <a:prstGeom prst="rect">
-            <a:avLst/>
-          </a:prstGeom>
-        </p:spPr>
-      </p:pic>
-      <p:pic>
-        <p:nvPicPr>
-          <p:cNvPr id="10" name="Grafik 9">
-            <a:extLst>
-              <a:ext uri="{FF2B5EF4-FFF2-40B4-BE49-F238E27FC236}">
-                <a16:creationId xmlns:a16="http://schemas.microsoft.com/office/drawing/2014/main" id="{7F5F7745-69EB-4DF4-8FA5-366469B2E8F7}"/>
-              </a:ext>
-            </a:extLst>
-          </p:cNvPr>
-          <p:cNvPicPr>
-            <a:picLocks noChangeAspect="1"/>
-          </p:cNvPicPr>
-          <p:nvPr/>
-        </p:nvPicPr>
-        <p:blipFill>
-          <a:blip r:embed="rId2">
-            <a:extLst>
-              <a:ext uri="{28A0092B-C50C-407E-A947-70E740481C1C}">
-                <a14:useLocalDpi xmlns:a14="http://schemas.microsoft.com/office/drawing/2010/main" val="0"/>
-              </a:ext>
-            </a:extLst>
-          </a:blip>
-          <a:stretch>
-            <a:fillRect/>
-          </a:stretch>
-        </p:blipFill>
-        <p:spPr>
-          <a:xfrm>
-            <a:off x="2329319" y="6063641"/>
-            <a:ext cx="794359" cy="794359"/>
-          </a:xfrm>
-          <a:prstGeom prst="rect">
-            <a:avLst/>
-          </a:prstGeom>
-        </p:spPr>
-      </p:pic>
-      <p:pic>
-        <p:nvPicPr>
-          <p:cNvPr id="11" name="Grafik 10">
-            <a:extLst>
-              <a:ext uri="{FF2B5EF4-FFF2-40B4-BE49-F238E27FC236}">
-                <a16:creationId xmlns:a16="http://schemas.microsoft.com/office/drawing/2014/main" id="{718AF21F-72FE-437B-96DA-2CBA87E75384}"/>
-              </a:ext>
-            </a:extLst>
-          </p:cNvPr>
-          <p:cNvPicPr>
-            <a:picLocks noChangeAspect="1"/>
-          </p:cNvPicPr>
-          <p:nvPr/>
-        </p:nvPicPr>
-        <p:blipFill>
-          <a:blip r:embed="rId2">
-            <a:extLst>
-              <a:ext uri="{28A0092B-C50C-407E-A947-70E740481C1C}">
-                <a14:useLocalDpi xmlns:a14="http://schemas.microsoft.com/office/drawing/2010/main" val="0"/>
-              </a:ext>
-            </a:extLst>
-          </a:blip>
-          <a:stretch>
-            <a:fillRect/>
-          </a:stretch>
-        </p:blipFill>
-        <p:spPr>
-          <a:xfrm>
-            <a:off x="3082349" y="6063640"/>
-            <a:ext cx="794359" cy="794359"/>
-          </a:xfrm>
-          <a:prstGeom prst="rect">
-            <a:avLst/>
-          </a:prstGeom>
-        </p:spPr>
-      </p:pic>
-      <p:pic>
-        <p:nvPicPr>
-          <p:cNvPr id="12" name="Grafik 11">
-            <a:extLst>
-              <a:ext uri="{FF2B5EF4-FFF2-40B4-BE49-F238E27FC236}">
-                <a16:creationId xmlns:a16="http://schemas.microsoft.com/office/drawing/2014/main" id="{7E91E18E-5EC4-4E9D-A0CB-FC47BD26E77A}"/>
-              </a:ext>
-            </a:extLst>
-          </p:cNvPr>
-          <p:cNvPicPr>
-            <a:picLocks noChangeAspect="1"/>
-          </p:cNvPicPr>
-          <p:nvPr/>
-        </p:nvPicPr>
-        <p:blipFill>
-          <a:blip r:embed="rId2">
-            <a:extLst>
-              <a:ext uri="{28A0092B-C50C-407E-A947-70E740481C1C}">
-                <a14:useLocalDpi xmlns:a14="http://schemas.microsoft.com/office/drawing/2010/main" val="0"/>
-              </a:ext>
-            </a:extLst>
-          </a:blip>
-          <a:stretch>
-            <a:fillRect/>
-          </a:stretch>
-        </p:blipFill>
-        <p:spPr>
-          <a:xfrm>
-            <a:off x="3876708" y="6063641"/>
-            <a:ext cx="794359" cy="794359"/>
-          </a:xfrm>
-          <a:prstGeom prst="rect">
-            <a:avLst/>
-          </a:prstGeom>
-        </p:spPr>
-      </p:pic>
-      <p:pic>
-        <p:nvPicPr>
-          <p:cNvPr id="13" name="Grafik 12">
-            <a:extLst>
-              <a:ext uri="{FF2B5EF4-FFF2-40B4-BE49-F238E27FC236}">
-                <a16:creationId xmlns:a16="http://schemas.microsoft.com/office/drawing/2014/main" id="{59240CEE-99C6-449B-B26B-45FDFDB12FD9}"/>
-              </a:ext>
-            </a:extLst>
-          </p:cNvPr>
-          <p:cNvPicPr>
-            <a:picLocks noChangeAspect="1"/>
-          </p:cNvPicPr>
-          <p:nvPr/>
-        </p:nvPicPr>
-        <p:blipFill>
-          <a:blip r:embed="rId2">
-            <a:extLst>
-              <a:ext uri="{28A0092B-C50C-407E-A947-70E740481C1C}">
-                <a14:useLocalDpi xmlns:a14="http://schemas.microsoft.com/office/drawing/2010/main" val="0"/>
-              </a:ext>
-            </a:extLst>
-          </a:blip>
-          <a:stretch>
-            <a:fillRect/>
-          </a:stretch>
-        </p:blipFill>
-        <p:spPr>
-          <a:xfrm>
-            <a:off x="4671067" y="6063639"/>
-            <a:ext cx="794359" cy="794359"/>
-          </a:xfrm>
-          <a:prstGeom prst="rect">
-            <a:avLst/>
-          </a:prstGeom>
-        </p:spPr>
-      </p:pic>
-      <p:pic>
-        <p:nvPicPr>
-          <p:cNvPr id="14" name="Grafik 13">
-            <a:extLst>
-              <a:ext uri="{FF2B5EF4-FFF2-40B4-BE49-F238E27FC236}">
-                <a16:creationId xmlns:a16="http://schemas.microsoft.com/office/drawing/2014/main" id="{C5974C70-511D-4174-A979-5368163EFDE3}"/>
-              </a:ext>
-            </a:extLst>
-          </p:cNvPr>
-          <p:cNvPicPr>
-            <a:picLocks noChangeAspect="1"/>
-          </p:cNvPicPr>
-          <p:nvPr/>
-        </p:nvPicPr>
-        <p:blipFill>
-          <a:blip r:embed="rId2">
-            <a:extLst>
-              <a:ext uri="{28A0092B-C50C-407E-A947-70E740481C1C}">
-                <a14:useLocalDpi xmlns:a14="http://schemas.microsoft.com/office/drawing/2010/main" val="0"/>
-              </a:ext>
-            </a:extLst>
-          </a:blip>
-          <a:stretch>
-            <a:fillRect/>
-          </a:stretch>
-        </p:blipFill>
-        <p:spPr>
-          <a:xfrm>
-            <a:off x="5437883" y="6063641"/>
-            <a:ext cx="794359" cy="794359"/>
-          </a:xfrm>
-          <a:prstGeom prst="rect">
-            <a:avLst/>
-          </a:prstGeom>
-        </p:spPr>
-      </p:pic>
-      <p:pic>
-        <p:nvPicPr>
-          <p:cNvPr id="15" name="Grafik 14">
-            <a:extLst>
-              <a:ext uri="{FF2B5EF4-FFF2-40B4-BE49-F238E27FC236}">
-                <a16:creationId xmlns:a16="http://schemas.microsoft.com/office/drawing/2014/main" id="{CFFFBC29-D24C-46D7-9469-B65BCCB7883E}"/>
-              </a:ext>
-            </a:extLst>
-          </p:cNvPr>
-          <p:cNvPicPr>
-            <a:picLocks noChangeAspect="1"/>
-          </p:cNvPicPr>
-          <p:nvPr/>
-        </p:nvPicPr>
-        <p:blipFill>
-          <a:blip r:embed="rId2">
-            <a:extLst>
-              <a:ext uri="{28A0092B-C50C-407E-A947-70E740481C1C}">
-                <a14:useLocalDpi xmlns:a14="http://schemas.microsoft.com/office/drawing/2010/main" val="0"/>
-              </a:ext>
-            </a:extLst>
-          </a:blip>
-          <a:stretch>
-            <a:fillRect/>
-          </a:stretch>
-        </p:blipFill>
-        <p:spPr>
-          <a:xfrm>
-            <a:off x="6204699" y="6063641"/>
-            <a:ext cx="794359" cy="794359"/>
-          </a:xfrm>
-          <a:prstGeom prst="rect">
-            <a:avLst/>
-          </a:prstGeom>
-        </p:spPr>
-      </p:pic>
-      <p:pic>
-        <p:nvPicPr>
-          <p:cNvPr id="16" name="Grafik 15">
-            <a:extLst>
-              <a:ext uri="{FF2B5EF4-FFF2-40B4-BE49-F238E27FC236}">
-                <a16:creationId xmlns:a16="http://schemas.microsoft.com/office/drawing/2014/main" id="{DC56E298-1E77-4C5D-9160-1E3F487A2448}"/>
-              </a:ext>
-            </a:extLst>
-          </p:cNvPr>
-          <p:cNvPicPr>
-            <a:picLocks noChangeAspect="1"/>
-          </p:cNvPicPr>
-          <p:nvPr/>
-        </p:nvPicPr>
-        <p:blipFill>
-          <a:blip r:embed="rId2">
-            <a:extLst>
-              <a:ext uri="{28A0092B-C50C-407E-A947-70E740481C1C}">
-                <a14:useLocalDpi xmlns:a14="http://schemas.microsoft.com/office/drawing/2010/main" val="0"/>
-              </a:ext>
-            </a:extLst>
-          </a:blip>
-          <a:stretch>
-            <a:fillRect/>
-          </a:stretch>
-        </p:blipFill>
-        <p:spPr>
-          <a:xfrm>
-            <a:off x="6985300" y="6063641"/>
-            <a:ext cx="794359" cy="794359"/>
-          </a:xfrm>
-          <a:prstGeom prst="rect">
-            <a:avLst/>
-          </a:prstGeom>
-        </p:spPr>
-      </p:pic>
-      <p:pic>
-        <p:nvPicPr>
-          <p:cNvPr id="17" name="Grafik 16">
-            <a:extLst>
-              <a:ext uri="{FF2B5EF4-FFF2-40B4-BE49-F238E27FC236}">
-                <a16:creationId xmlns:a16="http://schemas.microsoft.com/office/drawing/2014/main" id="{B64B9701-AE24-474F-9FAB-9E888647EDD3}"/>
-              </a:ext>
-            </a:extLst>
-          </p:cNvPr>
-          <p:cNvPicPr>
-            <a:picLocks noChangeAspect="1"/>
-          </p:cNvPicPr>
-          <p:nvPr/>
-        </p:nvPicPr>
-        <p:blipFill>
-          <a:blip r:embed="rId2">
-            <a:extLst>
-              <a:ext uri="{28A0092B-C50C-407E-A947-70E740481C1C}">
-                <a14:useLocalDpi xmlns:a14="http://schemas.microsoft.com/office/drawing/2010/main" val="0"/>
-              </a:ext>
-            </a:extLst>
-          </a:blip>
-          <a:stretch>
-            <a:fillRect/>
-          </a:stretch>
-        </p:blipFill>
-        <p:spPr>
-          <a:xfrm>
-            <a:off x="7738331" y="6063641"/>
-            <a:ext cx="794359" cy="794359"/>
-          </a:xfrm>
-          <a:prstGeom prst="rect">
-            <a:avLst/>
-          </a:prstGeom>
-        </p:spPr>
-      </p:pic>
-      <p:pic>
-        <p:nvPicPr>
-          <p:cNvPr id="18" name="Grafik 17">
-            <a:extLst>
-              <a:ext uri="{FF2B5EF4-FFF2-40B4-BE49-F238E27FC236}">
-                <a16:creationId xmlns:a16="http://schemas.microsoft.com/office/drawing/2014/main" id="{BF95A60B-7773-43F4-82F0-4712891E0936}"/>
-              </a:ext>
-            </a:extLst>
-          </p:cNvPr>
-          <p:cNvPicPr>
-            <a:picLocks noChangeAspect="1"/>
-          </p:cNvPicPr>
-          <p:nvPr/>
-        </p:nvPicPr>
-        <p:blipFill>
-          <a:blip r:embed="rId2">
-            <a:extLst>
-              <a:ext uri="{28A0092B-C50C-407E-A947-70E740481C1C}">
-                <a14:useLocalDpi xmlns:a14="http://schemas.microsoft.com/office/drawing/2010/main" val="0"/>
-              </a:ext>
-            </a:extLst>
-          </a:blip>
-          <a:stretch>
-            <a:fillRect/>
-          </a:stretch>
-        </p:blipFill>
-        <p:spPr>
-          <a:xfrm>
-            <a:off x="8518932" y="6063641"/>
-            <a:ext cx="794359" cy="794359"/>
-          </a:xfrm>
-          <a:prstGeom prst="rect">
-            <a:avLst/>
-          </a:prstGeom>
-        </p:spPr>
-      </p:pic>
-      <p:pic>
-        <p:nvPicPr>
-          <p:cNvPr id="19" name="Grafik 18">
-            <a:extLst>
-              <a:ext uri="{FF2B5EF4-FFF2-40B4-BE49-F238E27FC236}">
-                <a16:creationId xmlns:a16="http://schemas.microsoft.com/office/drawing/2014/main" id="{19A21391-D6AB-4C27-A4AC-00ABE58B15F9}"/>
-              </a:ext>
-            </a:extLst>
-          </p:cNvPr>
-          <p:cNvPicPr>
-            <a:picLocks noChangeAspect="1"/>
-          </p:cNvPicPr>
-          <p:nvPr/>
-        </p:nvPicPr>
-        <p:blipFill>
-          <a:blip r:embed="rId2">
-            <a:extLst>
-              <a:ext uri="{28A0092B-C50C-407E-A947-70E740481C1C}">
-                <a14:useLocalDpi xmlns:a14="http://schemas.microsoft.com/office/drawing/2010/main" val="0"/>
-              </a:ext>
-            </a:extLst>
-          </a:blip>
-          <a:stretch>
-            <a:fillRect/>
-          </a:stretch>
-        </p:blipFill>
-        <p:spPr>
-          <a:xfrm>
-            <a:off x="9304169" y="6063641"/>
-            <a:ext cx="794359" cy="794359"/>
-          </a:xfrm>
-          <a:prstGeom prst="rect">
-            <a:avLst/>
-          </a:prstGeom>
-        </p:spPr>
-      </p:pic>
-      <p:pic>
-        <p:nvPicPr>
-          <p:cNvPr id="20" name="Grafik 19">
-            <a:extLst>
-              <a:ext uri="{FF2B5EF4-FFF2-40B4-BE49-F238E27FC236}">
-                <a16:creationId xmlns:a16="http://schemas.microsoft.com/office/drawing/2014/main" id="{36B49D2C-538F-40B4-99EB-E93EB73D0C2C}"/>
-              </a:ext>
-            </a:extLst>
-          </p:cNvPr>
-          <p:cNvPicPr>
-            <a:picLocks noChangeAspect="1"/>
-          </p:cNvPicPr>
-          <p:nvPr/>
-        </p:nvPicPr>
-        <p:blipFill>
-          <a:blip r:embed="rId2">
-            <a:extLst>
-              <a:ext uri="{28A0092B-C50C-407E-A947-70E740481C1C}">
-                <a14:useLocalDpi xmlns:a14="http://schemas.microsoft.com/office/drawing/2010/main" val="0"/>
-              </a:ext>
-            </a:extLst>
-          </a:blip>
-          <a:stretch>
-            <a:fillRect/>
-          </a:stretch>
-        </p:blipFill>
-        <p:spPr>
-          <a:xfrm>
-            <a:off x="10033775" y="6063641"/>
-            <a:ext cx="794359" cy="794359"/>
-          </a:xfrm>
-          <a:prstGeom prst="rect">
-            <a:avLst/>
-          </a:prstGeom>
-        </p:spPr>
-      </p:pic>
-      <p:pic>
-        <p:nvPicPr>
-          <p:cNvPr id="21" name="Grafik 20">
-            <a:extLst>
-              <a:ext uri="{FF2B5EF4-FFF2-40B4-BE49-F238E27FC236}">
-                <a16:creationId xmlns:a16="http://schemas.microsoft.com/office/drawing/2014/main" id="{8D9AD33C-38D7-4521-A684-62284F7C576B}"/>
-              </a:ext>
-            </a:extLst>
-          </p:cNvPr>
-          <p:cNvPicPr>
-            <a:picLocks noChangeAspect="1"/>
-          </p:cNvPicPr>
-          <p:nvPr/>
-        </p:nvPicPr>
-        <p:blipFill>
-          <a:blip r:embed="rId2">
-            <a:extLst>
-              <a:ext uri="{28A0092B-C50C-407E-A947-70E740481C1C}">
-                <a14:useLocalDpi xmlns:a14="http://schemas.microsoft.com/office/drawing/2010/main" val="0"/>
-              </a:ext>
-            </a:extLst>
-          </a:blip>
-          <a:stretch>
-            <a:fillRect/>
-          </a:stretch>
-        </p:blipFill>
-        <p:spPr>
-          <a:xfrm>
-            <a:off x="10819012" y="6063636"/>
-            <a:ext cx="794359" cy="794359"/>
-          </a:xfrm>
-          <a:prstGeom prst="rect">
-            <a:avLst/>
-          </a:prstGeom>
-        </p:spPr>
-      </p:pic>
-      <p:pic>
-        <p:nvPicPr>
-          <p:cNvPr id="22" name="Grafik 21">
-            <a:extLst>
-              <a:ext uri="{FF2B5EF4-FFF2-40B4-BE49-F238E27FC236}">
-                <a16:creationId xmlns:a16="http://schemas.microsoft.com/office/drawing/2014/main" id="{FE93CF9C-FE37-422F-AE98-9B808B66E112}"/>
-              </a:ext>
-            </a:extLst>
-          </p:cNvPr>
-          <p:cNvPicPr>
-            <a:picLocks noChangeAspect="1"/>
-          </p:cNvPicPr>
-          <p:nvPr/>
-        </p:nvPicPr>
-        <p:blipFill>
-          <a:blip r:embed="rId2">
-            <a:extLst>
-              <a:ext uri="{28A0092B-C50C-407E-A947-70E740481C1C}">
-                <a14:useLocalDpi xmlns:a14="http://schemas.microsoft.com/office/drawing/2010/main" val="0"/>
-              </a:ext>
-            </a:extLst>
-          </a:blip>
-          <a:stretch>
-            <a:fillRect/>
-          </a:stretch>
-        </p:blipFill>
-        <p:spPr>
-          <a:xfrm>
-            <a:off x="11516358" y="6063637"/>
-            <a:ext cx="794359" cy="794359"/>
-          </a:xfrm>
-          <a:prstGeom prst="rect">
-            <a:avLst/>
-          </a:prstGeom>
-        </p:spPr>
-      </p:pic>
-      <p:pic>
-        <p:nvPicPr>
-          <p:cNvPr id="23" name="Grafik 22">
-            <a:extLst>
-              <a:ext uri="{FF2B5EF4-FFF2-40B4-BE49-F238E27FC236}">
-                <a16:creationId xmlns:a16="http://schemas.microsoft.com/office/drawing/2014/main" id="{20472D00-5E47-4829-B5EF-63B62B832CDF}"/>
-              </a:ext>
-            </a:extLst>
-          </p:cNvPr>
-          <p:cNvPicPr>
-            <a:picLocks noChangeAspect="1"/>
-          </p:cNvPicPr>
-          <p:nvPr/>
-        </p:nvPicPr>
-        <p:blipFill>
-          <a:blip r:embed="rId3"/>
-          <a:stretch>
-            <a:fillRect/>
-          </a:stretch>
-        </p:blipFill>
-        <p:spPr>
-          <a:xfrm>
-            <a:off x="1691209" y="3429000"/>
-            <a:ext cx="691868" cy="698892"/>
-          </a:xfrm>
-          <a:prstGeom prst="rect">
-            <a:avLst/>
-          </a:prstGeom>
-        </p:spPr>
-      </p:pic>
-      <p:pic>
-        <p:nvPicPr>
-          <p:cNvPr id="25" name="Grafik 24">
-            <a:extLst>
-              <a:ext uri="{FF2B5EF4-FFF2-40B4-BE49-F238E27FC236}">
-                <a16:creationId xmlns:a16="http://schemas.microsoft.com/office/drawing/2014/main" id="{4AAC6E2D-B808-43D2-8D3C-D49CB0065802}"/>
-              </a:ext>
-            </a:extLst>
-          </p:cNvPr>
-          <p:cNvPicPr>
-            <a:picLocks noChangeAspect="1"/>
-          </p:cNvPicPr>
-          <p:nvPr/>
-        </p:nvPicPr>
-        <p:blipFill>
-          <a:blip r:embed="rId3"/>
-          <a:stretch>
-            <a:fillRect/>
-          </a:stretch>
-        </p:blipFill>
-        <p:spPr>
-          <a:xfrm>
-            <a:off x="999341" y="3429000"/>
-            <a:ext cx="691868" cy="698892"/>
-          </a:xfrm>
-          <a:prstGeom prst="rect">
-            <a:avLst/>
-          </a:prstGeom>
-        </p:spPr>
-      </p:pic>
-      <p:pic>
-        <p:nvPicPr>
-          <p:cNvPr id="26" name="Grafik 25">
-            <a:extLst>
-              <a:ext uri="{FF2B5EF4-FFF2-40B4-BE49-F238E27FC236}">
-                <a16:creationId xmlns:a16="http://schemas.microsoft.com/office/drawing/2014/main" id="{A4184A2B-FD42-4EC9-898B-99914400C9FC}"/>
-              </a:ext>
-            </a:extLst>
-          </p:cNvPr>
-          <p:cNvPicPr>
-            <a:picLocks noChangeAspect="1"/>
-          </p:cNvPicPr>
-          <p:nvPr/>
-        </p:nvPicPr>
-        <p:blipFill>
-          <a:blip r:embed="rId3"/>
-          <a:stretch>
-            <a:fillRect/>
-          </a:stretch>
-        </p:blipFill>
-        <p:spPr>
-          <a:xfrm>
-            <a:off x="9190973" y="929159"/>
-            <a:ext cx="691868" cy="698892"/>
-          </a:xfrm>
-          <a:prstGeom prst="rect">
-            <a:avLst/>
-          </a:prstGeom>
-        </p:spPr>
-      </p:pic>
-      <p:pic>
-        <p:nvPicPr>
-          <p:cNvPr id="27" name="Grafik 26">
-            <a:extLst>
-              <a:ext uri="{FF2B5EF4-FFF2-40B4-BE49-F238E27FC236}">
-                <a16:creationId xmlns:a16="http://schemas.microsoft.com/office/drawing/2014/main" id="{D8827366-A08A-4B5E-AFBF-C0A1807D3DE8}"/>
-              </a:ext>
-            </a:extLst>
-          </p:cNvPr>
-          <p:cNvPicPr>
-            <a:picLocks noChangeAspect="1"/>
-          </p:cNvPicPr>
-          <p:nvPr/>
-        </p:nvPicPr>
-        <p:blipFill>
-          <a:blip r:embed="rId3"/>
-          <a:stretch>
-            <a:fillRect/>
-          </a:stretch>
-        </p:blipFill>
-        <p:spPr>
-          <a:xfrm>
-            <a:off x="9878666" y="924759"/>
-            <a:ext cx="691868" cy="698892"/>
-          </a:xfrm>
-          <a:prstGeom prst="rect">
-            <a:avLst/>
-          </a:prstGeom>
-        </p:spPr>
-      </p:pic>
-      <p:pic>
-        <p:nvPicPr>
-          <p:cNvPr id="28" name="Grafik 27">
-            <a:extLst>
-              <a:ext uri="{FF2B5EF4-FFF2-40B4-BE49-F238E27FC236}">
-                <a16:creationId xmlns:a16="http://schemas.microsoft.com/office/drawing/2014/main" id="{4802CB70-C7BB-40B4-AE25-99697050CBAE}"/>
-              </a:ext>
-            </a:extLst>
-          </p:cNvPr>
-          <p:cNvPicPr>
-            <a:picLocks noChangeAspect="1"/>
-          </p:cNvPicPr>
-          <p:nvPr/>
-        </p:nvPicPr>
-        <p:blipFill>
-          <a:blip r:embed="rId3"/>
-          <a:stretch>
-            <a:fillRect/>
-          </a:stretch>
-        </p:blipFill>
-        <p:spPr>
-          <a:xfrm>
-            <a:off x="10570534" y="924759"/>
-            <a:ext cx="691868" cy="698892"/>
-          </a:xfrm>
-          <a:prstGeom prst="rect">
-            <a:avLst/>
-          </a:prstGeom>
-        </p:spPr>
-      </p:pic>
-      <p:pic>
-        <p:nvPicPr>
-          <p:cNvPr id="29" name="Grafik 28">
-            <a:extLst>
-              <a:ext uri="{FF2B5EF4-FFF2-40B4-BE49-F238E27FC236}">
-                <a16:creationId xmlns:a16="http://schemas.microsoft.com/office/drawing/2014/main" id="{B3AB129A-4757-4C60-86DE-00C7E53C4C79}"/>
-              </a:ext>
-            </a:extLst>
-          </p:cNvPr>
-          <p:cNvPicPr>
-            <a:picLocks noChangeAspect="1"/>
-          </p:cNvPicPr>
-          <p:nvPr/>
-        </p:nvPicPr>
-        <p:blipFill>
-          <a:blip r:embed="rId4"/>
-          <a:stretch>
-            <a:fillRect/>
-          </a:stretch>
-        </p:blipFill>
-        <p:spPr>
-          <a:xfrm>
-            <a:off x="8481329" y="929159"/>
-            <a:ext cx="709644" cy="698892"/>
-          </a:xfrm>
-          <a:prstGeom prst="rect">
-            <a:avLst/>
-          </a:prstGeom>
-        </p:spPr>
-      </p:pic>
-      <p:pic>
-        <p:nvPicPr>
-          <p:cNvPr id="30" name="Grafik 29">
-            <a:extLst>
-              <a:ext uri="{FF2B5EF4-FFF2-40B4-BE49-F238E27FC236}">
-                <a16:creationId xmlns:a16="http://schemas.microsoft.com/office/drawing/2014/main" id="{F3AF01F2-4A89-4016-9A02-C6035E7E0668}"/>
-              </a:ext>
-            </a:extLst>
-          </p:cNvPr>
-          <p:cNvPicPr>
-            <a:picLocks noChangeAspect="1"/>
-          </p:cNvPicPr>
-          <p:nvPr/>
-        </p:nvPicPr>
-        <p:blipFill>
-          <a:blip r:embed="rId5"/>
-          <a:stretch>
-            <a:fillRect/>
-          </a:stretch>
-        </p:blipFill>
-        <p:spPr>
-          <a:xfrm>
-            <a:off x="7963294" y="1122363"/>
-            <a:ext cx="504825" cy="495300"/>
-          </a:xfrm>
-          <a:prstGeom prst="rect">
-            <a:avLst/>
-          </a:prstGeom>
-        </p:spPr>
-      </p:pic>
-      <p:pic>
-        <p:nvPicPr>
-          <p:cNvPr id="31" name="Grafik 30">
-            <a:extLst>
-              <a:ext uri="{FF2B5EF4-FFF2-40B4-BE49-F238E27FC236}">
-                <a16:creationId xmlns:a16="http://schemas.microsoft.com/office/drawing/2014/main" id="{179D4D4D-3961-4EB3-A341-0A5398F2DC0F}"/>
-              </a:ext>
-            </a:extLst>
-          </p:cNvPr>
-          <p:cNvPicPr>
-            <a:picLocks noChangeAspect="1"/>
-          </p:cNvPicPr>
-          <p:nvPr/>
-        </p:nvPicPr>
-        <p:blipFill>
-          <a:blip r:embed="rId5"/>
-          <a:stretch>
-            <a:fillRect/>
-          </a:stretch>
-        </p:blipFill>
-        <p:spPr>
-          <a:xfrm>
-            <a:off x="10744769" y="411346"/>
-            <a:ext cx="504825" cy="495300"/>
-          </a:xfrm>
-          <a:prstGeom prst="rect">
-            <a:avLst/>
-          </a:prstGeom>
-        </p:spPr>
-      </p:pic>
-      <p:sp>
-        <p:nvSpPr>
-          <p:cNvPr id="34" name="Titel 33">
-            <a:extLst>
-              <a:ext uri="{FF2B5EF4-FFF2-40B4-BE49-F238E27FC236}">
-                <a16:creationId xmlns:a16="http://schemas.microsoft.com/office/drawing/2014/main" id="{A2038360-AA52-41DA-BC30-56B2639F5187}"/>
-              </a:ext>
-            </a:extLst>
-          </p:cNvPr>
-          <p:cNvSpPr>
-            <a:spLocks noGrp="1"/>
-          </p:cNvSpPr>
-          <p:nvPr>
-            <p:ph type="title"/>
-          </p:nvPr>
-        </p:nvSpPr>
-        <p:spPr/>
-        <p:txBody>
-          <a:bodyPr/>
-          <a:lstStyle/>
-          <a:p>
-            <a:r>
-              <a:rPr lang="de-DE" dirty="0">
-                <a:latin typeface="04b11" panose="00000400000000000000" pitchFamily="2" charset="0"/>
-              </a:rPr>
-              <a:t>ASSETS</a:t>
-            </a:r>
-          </a:p>
-        </p:txBody>
-      </p:sp>
-      <p:sp>
-        <p:nvSpPr>
-          <p:cNvPr id="35" name="Inhaltsplatzhalter 34">
-            <a:extLst>
-              <a:ext uri="{FF2B5EF4-FFF2-40B4-BE49-F238E27FC236}">
-                <a16:creationId xmlns:a16="http://schemas.microsoft.com/office/drawing/2014/main" id="{37C8D8BF-9785-4272-8918-EA17F43ECA84}"/>
-              </a:ext>
-            </a:extLst>
-          </p:cNvPr>
-          <p:cNvSpPr>
-            <a:spLocks noGrp="1"/>
-          </p:cNvSpPr>
-          <p:nvPr>
-            <p:ph idx="1"/>
-          </p:nvPr>
-        </p:nvSpPr>
-        <p:spPr/>
-        <p:txBody>
-          <a:bodyPr/>
-          <a:lstStyle/>
-          <a:p>
-            <a:r>
-              <a:rPr lang="de-DE" dirty="0">
-                <a:latin typeface="04b11" panose="00000400000000000000" pitchFamily="2" charset="0"/>
-              </a:rPr>
-              <a:t>Quelle</a:t>
-            </a:r>
-          </a:p>
-          <a:p>
-            <a:r>
-              <a:rPr lang="de-DE" dirty="0">
-                <a:latin typeface="04b11" panose="00000400000000000000" pitchFamily="2" charset="0"/>
-              </a:rPr>
-              <a:t>Tool mit dem sie gemacht wurden</a:t>
-            </a:r>
-          </a:p>
-        </p:txBody>
-      </p:sp>
-    </p:spTree>
-    <p:extLst>
-      <p:ext uri="{BB962C8B-B14F-4D97-AF65-F5344CB8AC3E}">
-        <p14:creationId xmlns:p14="http://schemas.microsoft.com/office/powerpoint/2010/main" val="139226106"/>
-      </p:ext>
-    </p:extLst>
-  </p:cSld>
-  <p:clrMapOvr>
-    <a:masterClrMapping/>
-  </p:clrMapOvr>
-</p:sld>
-</file>
-
-<file path=ppt/slides/slide5.xml><?xml version="1.0" encoding="utf-8"?>
-<p:sld xmlns:a="http://schemas.openxmlformats.org/drawingml/2006/main" xmlns:r="http://schemas.openxmlformats.org/officeDocument/2006/relationships" xmlns:p="http://schemas.openxmlformats.org/presentationml/2006/main">
-  <p:cSld>
-    <p:spTree>
-      <p:nvGrpSpPr>
-        <p:cNvPr id="1" name=""/>
-        <p:cNvGrpSpPr/>
-        <p:nvPr/>
-      </p:nvGrpSpPr>
-      <p:grpSpPr>
-        <a:xfrm>
-          <a:off x="0" y="0"/>
-          <a:ext cx="0" cy="0"/>
-          <a:chOff x="0" y="0"/>
-          <a:chExt cx="0" cy="0"/>
-        </a:xfrm>
-      </p:grpSpPr>
-      <p:pic>
-        <p:nvPicPr>
-          <p:cNvPr id="7" name="Grafik 6">
-            <a:extLst>
-              <a:ext uri="{FF2B5EF4-FFF2-40B4-BE49-F238E27FC236}">
-                <a16:creationId xmlns:a16="http://schemas.microsoft.com/office/drawing/2014/main" id="{C5029B18-298F-4E58-BA66-29E6E2986D7D}"/>
-              </a:ext>
-            </a:extLst>
-          </p:cNvPr>
-          <p:cNvPicPr>
-            <a:picLocks noChangeAspect="1"/>
-          </p:cNvPicPr>
-          <p:nvPr/>
-        </p:nvPicPr>
-        <p:blipFill>
-          <a:blip r:embed="rId2">
-            <a:extLst>
-              <a:ext uri="{28A0092B-C50C-407E-A947-70E740481C1C}">
-                <a14:useLocalDpi xmlns:a14="http://schemas.microsoft.com/office/drawing/2010/main" val="0"/>
-              </a:ext>
-            </a:extLst>
-          </a:blip>
-          <a:stretch>
-            <a:fillRect/>
-          </a:stretch>
-        </p:blipFill>
-        <p:spPr>
-          <a:xfrm>
-            <a:off x="0" y="6063641"/>
-            <a:ext cx="794359" cy="794359"/>
-          </a:xfrm>
-          <a:prstGeom prst="rect">
-            <a:avLst/>
-          </a:prstGeom>
-        </p:spPr>
-      </p:pic>
-      <p:pic>
-        <p:nvPicPr>
-          <p:cNvPr id="8" name="Grafik 7">
-            <a:extLst>
-              <a:ext uri="{FF2B5EF4-FFF2-40B4-BE49-F238E27FC236}">
-                <a16:creationId xmlns:a16="http://schemas.microsoft.com/office/drawing/2014/main" id="{2121D15E-C289-44A8-AE9F-7A13B354C962}"/>
-              </a:ext>
-            </a:extLst>
-          </p:cNvPr>
-          <p:cNvPicPr>
-            <a:picLocks noChangeAspect="1"/>
-          </p:cNvPicPr>
-          <p:nvPr/>
-        </p:nvPicPr>
-        <p:blipFill>
-          <a:blip r:embed="rId2">
-            <a:extLst>
-              <a:ext uri="{28A0092B-C50C-407E-A947-70E740481C1C}">
-                <a14:useLocalDpi xmlns:a14="http://schemas.microsoft.com/office/drawing/2010/main" val="0"/>
-              </a:ext>
-            </a:extLst>
-          </a:blip>
-          <a:stretch>
-            <a:fillRect/>
-          </a:stretch>
-        </p:blipFill>
-        <p:spPr>
-          <a:xfrm>
-            <a:off x="794359" y="6063641"/>
-            <a:ext cx="794359" cy="794359"/>
-          </a:xfrm>
-          <a:prstGeom prst="rect">
-            <a:avLst/>
-          </a:prstGeom>
-        </p:spPr>
-      </p:pic>
-      <p:pic>
-        <p:nvPicPr>
-          <p:cNvPr id="9" name="Grafik 8">
-            <a:extLst>
-              <a:ext uri="{FF2B5EF4-FFF2-40B4-BE49-F238E27FC236}">
-                <a16:creationId xmlns:a16="http://schemas.microsoft.com/office/drawing/2014/main" id="{F718AE0C-A161-495A-B50D-1A5B92646F59}"/>
-              </a:ext>
-            </a:extLst>
-          </p:cNvPr>
-          <p:cNvPicPr>
-            <a:picLocks noChangeAspect="1"/>
-          </p:cNvPicPr>
-          <p:nvPr/>
-        </p:nvPicPr>
-        <p:blipFill>
-          <a:blip r:embed="rId2">
-            <a:extLst>
-              <a:ext uri="{28A0092B-C50C-407E-A947-70E740481C1C}">
-                <a14:useLocalDpi xmlns:a14="http://schemas.microsoft.com/office/drawing/2010/main" val="0"/>
-              </a:ext>
-            </a:extLst>
-          </a:blip>
-          <a:stretch>
-            <a:fillRect/>
-          </a:stretch>
-        </p:blipFill>
-        <p:spPr>
-          <a:xfrm>
-            <a:off x="1588718" y="6063641"/>
-            <a:ext cx="794359" cy="794359"/>
-          </a:xfrm>
-          <a:prstGeom prst="rect">
-            <a:avLst/>
-          </a:prstGeom>
-        </p:spPr>
-      </p:pic>
-      <p:pic>
-        <p:nvPicPr>
-          <p:cNvPr id="10" name="Grafik 9">
-            <a:extLst>
-              <a:ext uri="{FF2B5EF4-FFF2-40B4-BE49-F238E27FC236}">
-                <a16:creationId xmlns:a16="http://schemas.microsoft.com/office/drawing/2014/main" id="{7F5F7745-69EB-4DF4-8FA5-366469B2E8F7}"/>
-              </a:ext>
-            </a:extLst>
-          </p:cNvPr>
-          <p:cNvPicPr>
-            <a:picLocks noChangeAspect="1"/>
-          </p:cNvPicPr>
-          <p:nvPr/>
-        </p:nvPicPr>
-        <p:blipFill>
-          <a:blip r:embed="rId2">
-            <a:extLst>
-              <a:ext uri="{28A0092B-C50C-407E-A947-70E740481C1C}">
-                <a14:useLocalDpi xmlns:a14="http://schemas.microsoft.com/office/drawing/2010/main" val="0"/>
-              </a:ext>
-            </a:extLst>
-          </a:blip>
-          <a:stretch>
-            <a:fillRect/>
-          </a:stretch>
-        </p:blipFill>
-        <p:spPr>
-          <a:xfrm>
-            <a:off x="2329319" y="6063641"/>
-            <a:ext cx="794359" cy="794359"/>
-          </a:xfrm>
-          <a:prstGeom prst="rect">
-            <a:avLst/>
-          </a:prstGeom>
-        </p:spPr>
-      </p:pic>
-      <p:pic>
-        <p:nvPicPr>
-          <p:cNvPr id="11" name="Grafik 10">
-            <a:extLst>
-              <a:ext uri="{FF2B5EF4-FFF2-40B4-BE49-F238E27FC236}">
-                <a16:creationId xmlns:a16="http://schemas.microsoft.com/office/drawing/2014/main" id="{718AF21F-72FE-437B-96DA-2CBA87E75384}"/>
-              </a:ext>
-            </a:extLst>
-          </p:cNvPr>
-          <p:cNvPicPr>
-            <a:picLocks noChangeAspect="1"/>
-          </p:cNvPicPr>
-          <p:nvPr/>
-        </p:nvPicPr>
-        <p:blipFill>
-          <a:blip r:embed="rId2">
-            <a:extLst>
-              <a:ext uri="{28A0092B-C50C-407E-A947-70E740481C1C}">
-                <a14:useLocalDpi xmlns:a14="http://schemas.microsoft.com/office/drawing/2010/main" val="0"/>
-              </a:ext>
-            </a:extLst>
-          </a:blip>
-          <a:stretch>
-            <a:fillRect/>
-          </a:stretch>
-        </p:blipFill>
-        <p:spPr>
-          <a:xfrm>
-            <a:off x="3082349" y="6063640"/>
-            <a:ext cx="794359" cy="794359"/>
-          </a:xfrm>
-          <a:prstGeom prst="rect">
-            <a:avLst/>
-          </a:prstGeom>
-        </p:spPr>
-      </p:pic>
-      <p:pic>
-        <p:nvPicPr>
-          <p:cNvPr id="12" name="Grafik 11">
-            <a:extLst>
-              <a:ext uri="{FF2B5EF4-FFF2-40B4-BE49-F238E27FC236}">
-                <a16:creationId xmlns:a16="http://schemas.microsoft.com/office/drawing/2014/main" id="{7E91E18E-5EC4-4E9D-A0CB-FC47BD26E77A}"/>
-              </a:ext>
-            </a:extLst>
-          </p:cNvPr>
-          <p:cNvPicPr>
-            <a:picLocks noChangeAspect="1"/>
-          </p:cNvPicPr>
-          <p:nvPr/>
-        </p:nvPicPr>
-        <p:blipFill>
-          <a:blip r:embed="rId2">
-            <a:extLst>
-              <a:ext uri="{28A0092B-C50C-407E-A947-70E740481C1C}">
-                <a14:useLocalDpi xmlns:a14="http://schemas.microsoft.com/office/drawing/2010/main" val="0"/>
-              </a:ext>
-            </a:extLst>
-          </a:blip>
-          <a:stretch>
-            <a:fillRect/>
-          </a:stretch>
-        </p:blipFill>
-        <p:spPr>
-          <a:xfrm>
-            <a:off x="3876708" y="6063641"/>
-            <a:ext cx="794359" cy="794359"/>
-          </a:xfrm>
-          <a:prstGeom prst="rect">
-            <a:avLst/>
-          </a:prstGeom>
-        </p:spPr>
-      </p:pic>
-      <p:pic>
-        <p:nvPicPr>
-          <p:cNvPr id="13" name="Grafik 12">
-            <a:extLst>
-              <a:ext uri="{FF2B5EF4-FFF2-40B4-BE49-F238E27FC236}">
-                <a16:creationId xmlns:a16="http://schemas.microsoft.com/office/drawing/2014/main" id="{59240CEE-99C6-449B-B26B-45FDFDB12FD9}"/>
-              </a:ext>
-            </a:extLst>
-          </p:cNvPr>
-          <p:cNvPicPr>
-            <a:picLocks noChangeAspect="1"/>
-          </p:cNvPicPr>
-          <p:nvPr/>
-        </p:nvPicPr>
-        <p:blipFill>
-          <a:blip r:embed="rId2">
-            <a:extLst>
-              <a:ext uri="{28A0092B-C50C-407E-A947-70E740481C1C}">
-                <a14:useLocalDpi xmlns:a14="http://schemas.microsoft.com/office/drawing/2010/main" val="0"/>
-              </a:ext>
-            </a:extLst>
-          </a:blip>
-          <a:stretch>
-            <a:fillRect/>
-          </a:stretch>
-        </p:blipFill>
-        <p:spPr>
-          <a:xfrm>
-            <a:off x="4671067" y="6063639"/>
-            <a:ext cx="794359" cy="794359"/>
-          </a:xfrm>
-          <a:prstGeom prst="rect">
-            <a:avLst/>
-          </a:prstGeom>
-        </p:spPr>
-      </p:pic>
-      <p:pic>
-        <p:nvPicPr>
-          <p:cNvPr id="14" name="Grafik 13">
-            <a:extLst>
-              <a:ext uri="{FF2B5EF4-FFF2-40B4-BE49-F238E27FC236}">
-                <a16:creationId xmlns:a16="http://schemas.microsoft.com/office/drawing/2014/main" id="{C5974C70-511D-4174-A979-5368163EFDE3}"/>
-              </a:ext>
-            </a:extLst>
-          </p:cNvPr>
-          <p:cNvPicPr>
-            <a:picLocks noChangeAspect="1"/>
-          </p:cNvPicPr>
-          <p:nvPr/>
-        </p:nvPicPr>
-        <p:blipFill>
-          <a:blip r:embed="rId2">
-            <a:extLst>
-              <a:ext uri="{28A0092B-C50C-407E-A947-70E740481C1C}">
-                <a14:useLocalDpi xmlns:a14="http://schemas.microsoft.com/office/drawing/2010/main" val="0"/>
-              </a:ext>
-            </a:extLst>
-          </a:blip>
-          <a:stretch>
-            <a:fillRect/>
-          </a:stretch>
-        </p:blipFill>
-        <p:spPr>
-          <a:xfrm>
-            <a:off x="5437883" y="6063641"/>
-            <a:ext cx="794359" cy="794359"/>
-          </a:xfrm>
-          <a:prstGeom prst="rect">
-            <a:avLst/>
-          </a:prstGeom>
-        </p:spPr>
-      </p:pic>
-      <p:pic>
-        <p:nvPicPr>
-          <p:cNvPr id="15" name="Grafik 14">
-            <a:extLst>
-              <a:ext uri="{FF2B5EF4-FFF2-40B4-BE49-F238E27FC236}">
-                <a16:creationId xmlns:a16="http://schemas.microsoft.com/office/drawing/2014/main" id="{CFFFBC29-D24C-46D7-9469-B65BCCB7883E}"/>
-              </a:ext>
-            </a:extLst>
-          </p:cNvPr>
-          <p:cNvPicPr>
-            <a:picLocks noChangeAspect="1"/>
-          </p:cNvPicPr>
-          <p:nvPr/>
-        </p:nvPicPr>
-        <p:blipFill>
-          <a:blip r:embed="rId2">
-            <a:extLst>
-              <a:ext uri="{28A0092B-C50C-407E-A947-70E740481C1C}">
-                <a14:useLocalDpi xmlns:a14="http://schemas.microsoft.com/office/drawing/2010/main" val="0"/>
-              </a:ext>
-            </a:extLst>
-          </a:blip>
-          <a:stretch>
-            <a:fillRect/>
-          </a:stretch>
-        </p:blipFill>
-        <p:spPr>
-          <a:xfrm>
-            <a:off x="6204699" y="6063641"/>
-            <a:ext cx="794359" cy="794359"/>
-          </a:xfrm>
-          <a:prstGeom prst="rect">
-            <a:avLst/>
-          </a:prstGeom>
-        </p:spPr>
-      </p:pic>
-      <p:pic>
-        <p:nvPicPr>
-          <p:cNvPr id="16" name="Grafik 15">
-            <a:extLst>
-              <a:ext uri="{FF2B5EF4-FFF2-40B4-BE49-F238E27FC236}">
-                <a16:creationId xmlns:a16="http://schemas.microsoft.com/office/drawing/2014/main" id="{DC56E298-1E77-4C5D-9160-1E3F487A2448}"/>
-              </a:ext>
-            </a:extLst>
-          </p:cNvPr>
-          <p:cNvPicPr>
-            <a:picLocks noChangeAspect="1"/>
-          </p:cNvPicPr>
-          <p:nvPr/>
-        </p:nvPicPr>
-        <p:blipFill>
-          <a:blip r:embed="rId2">
-            <a:extLst>
-              <a:ext uri="{28A0092B-C50C-407E-A947-70E740481C1C}">
-                <a14:useLocalDpi xmlns:a14="http://schemas.microsoft.com/office/drawing/2010/main" val="0"/>
-              </a:ext>
-            </a:extLst>
-          </a:blip>
-          <a:stretch>
-            <a:fillRect/>
-          </a:stretch>
-        </p:blipFill>
-        <p:spPr>
-          <a:xfrm>
-            <a:off x="6985300" y="6063641"/>
-            <a:ext cx="794359" cy="794359"/>
-          </a:xfrm>
-          <a:prstGeom prst="rect">
-            <a:avLst/>
-          </a:prstGeom>
-        </p:spPr>
-      </p:pic>
-      <p:pic>
-        <p:nvPicPr>
-          <p:cNvPr id="17" name="Grafik 16">
-            <a:extLst>
-              <a:ext uri="{FF2B5EF4-FFF2-40B4-BE49-F238E27FC236}">
-                <a16:creationId xmlns:a16="http://schemas.microsoft.com/office/drawing/2014/main" id="{B64B9701-AE24-474F-9FAB-9E888647EDD3}"/>
-              </a:ext>
-            </a:extLst>
-          </p:cNvPr>
-          <p:cNvPicPr>
-            <a:picLocks noChangeAspect="1"/>
-          </p:cNvPicPr>
-          <p:nvPr/>
-        </p:nvPicPr>
-        <p:blipFill>
-          <a:blip r:embed="rId2">
-            <a:extLst>
-              <a:ext uri="{28A0092B-C50C-407E-A947-70E740481C1C}">
-                <a14:useLocalDpi xmlns:a14="http://schemas.microsoft.com/office/drawing/2010/main" val="0"/>
-              </a:ext>
-            </a:extLst>
-          </a:blip>
-          <a:stretch>
-            <a:fillRect/>
-          </a:stretch>
-        </p:blipFill>
-        <p:spPr>
-          <a:xfrm>
-            <a:off x="7738331" y="6063641"/>
-            <a:ext cx="794359" cy="794359"/>
-          </a:xfrm>
-          <a:prstGeom prst="rect">
-            <a:avLst/>
-          </a:prstGeom>
-        </p:spPr>
-      </p:pic>
-      <p:pic>
-        <p:nvPicPr>
-          <p:cNvPr id="18" name="Grafik 17">
-            <a:extLst>
-              <a:ext uri="{FF2B5EF4-FFF2-40B4-BE49-F238E27FC236}">
-                <a16:creationId xmlns:a16="http://schemas.microsoft.com/office/drawing/2014/main" id="{BF95A60B-7773-43F4-82F0-4712891E0936}"/>
-              </a:ext>
-            </a:extLst>
-          </p:cNvPr>
-          <p:cNvPicPr>
-            <a:picLocks noChangeAspect="1"/>
-          </p:cNvPicPr>
-          <p:nvPr/>
-        </p:nvPicPr>
-        <p:blipFill>
-          <a:blip r:embed="rId2">
-            <a:extLst>
-              <a:ext uri="{28A0092B-C50C-407E-A947-70E740481C1C}">
-                <a14:useLocalDpi xmlns:a14="http://schemas.microsoft.com/office/drawing/2010/main" val="0"/>
-              </a:ext>
-            </a:extLst>
-          </a:blip>
-          <a:stretch>
-            <a:fillRect/>
-          </a:stretch>
-        </p:blipFill>
-        <p:spPr>
-          <a:xfrm>
-            <a:off x="8518932" y="6063641"/>
-            <a:ext cx="794359" cy="794359"/>
-          </a:xfrm>
-          <a:prstGeom prst="rect">
-            <a:avLst/>
-          </a:prstGeom>
-        </p:spPr>
-      </p:pic>
-      <p:pic>
-        <p:nvPicPr>
-          <p:cNvPr id="19" name="Grafik 18">
-            <a:extLst>
-              <a:ext uri="{FF2B5EF4-FFF2-40B4-BE49-F238E27FC236}">
-                <a16:creationId xmlns:a16="http://schemas.microsoft.com/office/drawing/2014/main" id="{19A21391-D6AB-4C27-A4AC-00ABE58B15F9}"/>
-              </a:ext>
-            </a:extLst>
-          </p:cNvPr>
-          <p:cNvPicPr>
-            <a:picLocks noChangeAspect="1"/>
-          </p:cNvPicPr>
-          <p:nvPr/>
-        </p:nvPicPr>
-        <p:blipFill>
-          <a:blip r:embed="rId2">
-            <a:extLst>
-              <a:ext uri="{28A0092B-C50C-407E-A947-70E740481C1C}">
-                <a14:useLocalDpi xmlns:a14="http://schemas.microsoft.com/office/drawing/2010/main" val="0"/>
-              </a:ext>
-            </a:extLst>
-          </a:blip>
-          <a:stretch>
-            <a:fillRect/>
-          </a:stretch>
-        </p:blipFill>
-        <p:spPr>
-          <a:xfrm>
-            <a:off x="9304169" y="6063641"/>
-            <a:ext cx="794359" cy="794359"/>
-          </a:xfrm>
-          <a:prstGeom prst="rect">
-            <a:avLst/>
-          </a:prstGeom>
-        </p:spPr>
-      </p:pic>
-      <p:pic>
-        <p:nvPicPr>
-          <p:cNvPr id="20" name="Grafik 19">
-            <a:extLst>
-              <a:ext uri="{FF2B5EF4-FFF2-40B4-BE49-F238E27FC236}">
-                <a16:creationId xmlns:a16="http://schemas.microsoft.com/office/drawing/2014/main" id="{36B49D2C-538F-40B4-99EB-E93EB73D0C2C}"/>
-              </a:ext>
-            </a:extLst>
-          </p:cNvPr>
-          <p:cNvPicPr>
-            <a:picLocks noChangeAspect="1"/>
-          </p:cNvPicPr>
-          <p:nvPr/>
-        </p:nvPicPr>
-        <p:blipFill>
-          <a:blip r:embed="rId2">
-            <a:extLst>
-              <a:ext uri="{28A0092B-C50C-407E-A947-70E740481C1C}">
-                <a14:useLocalDpi xmlns:a14="http://schemas.microsoft.com/office/drawing/2010/main" val="0"/>
-              </a:ext>
-            </a:extLst>
-          </a:blip>
-          <a:stretch>
-            <a:fillRect/>
-          </a:stretch>
-        </p:blipFill>
-        <p:spPr>
-          <a:xfrm>
-            <a:off x="10033775" y="6063641"/>
-            <a:ext cx="794359" cy="794359"/>
-          </a:xfrm>
-          <a:prstGeom prst="rect">
-            <a:avLst/>
-          </a:prstGeom>
-        </p:spPr>
-      </p:pic>
-      <p:pic>
-        <p:nvPicPr>
-          <p:cNvPr id="21" name="Grafik 20">
-            <a:extLst>
-              <a:ext uri="{FF2B5EF4-FFF2-40B4-BE49-F238E27FC236}">
-                <a16:creationId xmlns:a16="http://schemas.microsoft.com/office/drawing/2014/main" id="{8D9AD33C-38D7-4521-A684-62284F7C576B}"/>
-              </a:ext>
-            </a:extLst>
-          </p:cNvPr>
-          <p:cNvPicPr>
-            <a:picLocks noChangeAspect="1"/>
-          </p:cNvPicPr>
-          <p:nvPr/>
-        </p:nvPicPr>
-        <p:blipFill>
-          <a:blip r:embed="rId2">
-            <a:extLst>
-              <a:ext uri="{28A0092B-C50C-407E-A947-70E740481C1C}">
-                <a14:useLocalDpi xmlns:a14="http://schemas.microsoft.com/office/drawing/2010/main" val="0"/>
-              </a:ext>
-            </a:extLst>
-          </a:blip>
-          <a:stretch>
-            <a:fillRect/>
-          </a:stretch>
-        </p:blipFill>
-        <p:spPr>
-          <a:xfrm>
-            <a:off x="10819012" y="6063636"/>
-            <a:ext cx="794359" cy="794359"/>
-          </a:xfrm>
-          <a:prstGeom prst="rect">
-            <a:avLst/>
-          </a:prstGeom>
-        </p:spPr>
-      </p:pic>
-      <p:pic>
-        <p:nvPicPr>
-          <p:cNvPr id="22" name="Grafik 21">
-            <a:extLst>
-              <a:ext uri="{FF2B5EF4-FFF2-40B4-BE49-F238E27FC236}">
-                <a16:creationId xmlns:a16="http://schemas.microsoft.com/office/drawing/2014/main" id="{FE93CF9C-FE37-422F-AE98-9B808B66E112}"/>
-              </a:ext>
-            </a:extLst>
-          </p:cNvPr>
-          <p:cNvPicPr>
-            <a:picLocks noChangeAspect="1"/>
-          </p:cNvPicPr>
-          <p:nvPr/>
-        </p:nvPicPr>
-        <p:blipFill>
-          <a:blip r:embed="rId2">
-            <a:extLst>
-              <a:ext uri="{28A0092B-C50C-407E-A947-70E740481C1C}">
-                <a14:useLocalDpi xmlns:a14="http://schemas.microsoft.com/office/drawing/2010/main" val="0"/>
-              </a:ext>
-            </a:extLst>
-          </a:blip>
-          <a:stretch>
-            <a:fillRect/>
-          </a:stretch>
-        </p:blipFill>
-        <p:spPr>
-          <a:xfrm>
-            <a:off x="11516358" y="6063637"/>
-            <a:ext cx="794359" cy="794359"/>
-          </a:xfrm>
-          <a:prstGeom prst="rect">
-            <a:avLst/>
-          </a:prstGeom>
-        </p:spPr>
-      </p:pic>
-      <p:pic>
-        <p:nvPicPr>
-          <p:cNvPr id="23" name="Grafik 22">
-            <a:extLst>
-              <a:ext uri="{FF2B5EF4-FFF2-40B4-BE49-F238E27FC236}">
-                <a16:creationId xmlns:a16="http://schemas.microsoft.com/office/drawing/2014/main" id="{20472D00-5E47-4829-B5EF-63B62B832CDF}"/>
-              </a:ext>
-            </a:extLst>
-          </p:cNvPr>
-          <p:cNvPicPr>
-            <a:picLocks noChangeAspect="1"/>
-          </p:cNvPicPr>
-          <p:nvPr/>
-        </p:nvPicPr>
-        <p:blipFill>
-          <a:blip r:embed="rId3"/>
-          <a:stretch>
-            <a:fillRect/>
-          </a:stretch>
-        </p:blipFill>
-        <p:spPr>
-          <a:xfrm>
             <a:off x="3479528" y="4489314"/>
             <a:ext cx="691868" cy="698892"/>
           </a:xfrm>
@@ -7935,7 +6137,7 @@
 </p:sld>
 </file>
 
-<file path=ppt/slides/slide6.xml><?xml version="1.0" encoding="utf-8"?>
+<file path=ppt/slides/slide4.xml><?xml version="1.0" encoding="utf-8"?>
 <p:sld xmlns:a="http://schemas.openxmlformats.org/drawingml/2006/main" xmlns:r="http://schemas.openxmlformats.org/officeDocument/2006/relationships" xmlns:p="http://schemas.openxmlformats.org/presentationml/2006/main">
   <p:cSld>
     <p:spTree>

--- a/MOG Project/Präsentation_Binder_Klinar.pptx
+++ b/MOG Project/Präsentation_Binder_Klinar.pptx
@@ -266,7 +266,7 @@
           <a:p>
             <a:fld id="{E98E5C48-277D-4D4F-ADB4-7EFD69809ACE}" type="datetimeFigureOut">
               <a:rPr lang="de-DE" smtClean="0"/>
-              <a:t>31.01.2018</a:t>
+              <a:t>01.02.2018</a:t>
             </a:fld>
             <a:endParaRPr lang="de-DE"/>
           </a:p>
@@ -464,7 +464,7 @@
           <a:p>
             <a:fld id="{E98E5C48-277D-4D4F-ADB4-7EFD69809ACE}" type="datetimeFigureOut">
               <a:rPr lang="de-DE" smtClean="0"/>
-              <a:t>31.01.2018</a:t>
+              <a:t>01.02.2018</a:t>
             </a:fld>
             <a:endParaRPr lang="de-DE"/>
           </a:p>
@@ -672,7 +672,7 @@
           <a:p>
             <a:fld id="{E98E5C48-277D-4D4F-ADB4-7EFD69809ACE}" type="datetimeFigureOut">
               <a:rPr lang="de-DE" smtClean="0"/>
-              <a:t>31.01.2018</a:t>
+              <a:t>01.02.2018</a:t>
             </a:fld>
             <a:endParaRPr lang="de-DE"/>
           </a:p>
@@ -870,7 +870,7 @@
           <a:p>
             <a:fld id="{E98E5C48-277D-4D4F-ADB4-7EFD69809ACE}" type="datetimeFigureOut">
               <a:rPr lang="de-DE" smtClean="0"/>
-              <a:t>31.01.2018</a:t>
+              <a:t>01.02.2018</a:t>
             </a:fld>
             <a:endParaRPr lang="de-DE"/>
           </a:p>
@@ -1145,7 +1145,7 @@
           <a:p>
             <a:fld id="{E98E5C48-277D-4D4F-ADB4-7EFD69809ACE}" type="datetimeFigureOut">
               <a:rPr lang="de-DE" smtClean="0"/>
-              <a:t>31.01.2018</a:t>
+              <a:t>01.02.2018</a:t>
             </a:fld>
             <a:endParaRPr lang="de-DE"/>
           </a:p>
@@ -1410,7 +1410,7 @@
           <a:p>
             <a:fld id="{E98E5C48-277D-4D4F-ADB4-7EFD69809ACE}" type="datetimeFigureOut">
               <a:rPr lang="de-DE" smtClean="0"/>
-              <a:t>31.01.2018</a:t>
+              <a:t>01.02.2018</a:t>
             </a:fld>
             <a:endParaRPr lang="de-DE"/>
           </a:p>
@@ -1822,7 +1822,7 @@
           <a:p>
             <a:fld id="{E98E5C48-277D-4D4F-ADB4-7EFD69809ACE}" type="datetimeFigureOut">
               <a:rPr lang="de-DE" smtClean="0"/>
-              <a:t>31.01.2018</a:t>
+              <a:t>01.02.2018</a:t>
             </a:fld>
             <a:endParaRPr lang="de-DE"/>
           </a:p>
@@ -1963,7 +1963,7 @@
           <a:p>
             <a:fld id="{E98E5C48-277D-4D4F-ADB4-7EFD69809ACE}" type="datetimeFigureOut">
               <a:rPr lang="de-DE" smtClean="0"/>
-              <a:t>31.01.2018</a:t>
+              <a:t>01.02.2018</a:t>
             </a:fld>
             <a:endParaRPr lang="de-DE"/>
           </a:p>
@@ -2076,7 +2076,7 @@
           <a:p>
             <a:fld id="{E98E5C48-277D-4D4F-ADB4-7EFD69809ACE}" type="datetimeFigureOut">
               <a:rPr lang="de-DE" smtClean="0"/>
-              <a:t>31.01.2018</a:t>
+              <a:t>01.02.2018</a:t>
             </a:fld>
             <a:endParaRPr lang="de-DE"/>
           </a:p>
@@ -2387,7 +2387,7 @@
           <a:p>
             <a:fld id="{E98E5C48-277D-4D4F-ADB4-7EFD69809ACE}" type="datetimeFigureOut">
               <a:rPr lang="de-DE" smtClean="0"/>
-              <a:t>31.01.2018</a:t>
+              <a:t>01.02.2018</a:t>
             </a:fld>
             <a:endParaRPr lang="de-DE"/>
           </a:p>
@@ -2675,7 +2675,7 @@
           <a:p>
             <a:fld id="{E98E5C48-277D-4D4F-ADB4-7EFD69809ACE}" type="datetimeFigureOut">
               <a:rPr lang="de-DE" smtClean="0"/>
-              <a:t>31.01.2018</a:t>
+              <a:t>01.02.2018</a:t>
             </a:fld>
             <a:endParaRPr lang="de-DE"/>
           </a:p>
@@ -2922,7 +2922,7 @@
           <a:p>
             <a:fld id="{E98E5C48-277D-4D4F-ADB4-7EFD69809ACE}" type="datetimeFigureOut">
               <a:rPr lang="de-DE" smtClean="0"/>
-              <a:t>31.01.2018</a:t>
+              <a:t>01.02.2018</a:t>
             </a:fld>
             <a:endParaRPr lang="de-DE"/>
           </a:p>
@@ -5124,11 +5124,14 @@
           <a:lstStyle/>
           <a:p>
             <a:r>
-              <a:rPr lang="de-DE" dirty="0">
+              <a:rPr lang="de-DE" dirty="0" err="1">
                 <a:latin typeface="04b11" panose="00000400000000000000" pitchFamily="2" charset="0"/>
               </a:rPr>
-              <a:t>SPIELPRINZIP</a:t>
-            </a:r>
+              <a:t>Idea</a:t>
+            </a:r>
+            <a:endParaRPr lang="de-DE" dirty="0">
+              <a:latin typeface="04b11" panose="00000400000000000000" pitchFamily="2" charset="0"/>
+            </a:endParaRPr>
           </a:p>
         </p:txBody>
       </p:sp>
@@ -5157,47 +5160,50 @@
               <a:rPr lang="de-DE" dirty="0">
                 <a:latin typeface="04b11" panose="00000400000000000000" pitchFamily="2" charset="0"/>
               </a:rPr>
-              <a:t>2D Jump n Run</a:t>
-            </a:r>
-          </a:p>
-          <a:p>
-            <a:r>
-              <a:rPr lang="de-DE" dirty="0" err="1">
+              <a:t>2D JUMP n RUN</a:t>
+            </a:r>
+          </a:p>
+          <a:p>
+            <a:r>
+              <a:rPr lang="de-AT" dirty="0">
                 <a:latin typeface="04b11" panose="00000400000000000000" pitchFamily="2" charset="0"/>
               </a:rPr>
-              <a:t>Map</a:t>
-            </a:r>
+              <a:t>MAP = ENEMY</a:t>
+            </a:r>
+            <a:endParaRPr lang="de-DE" dirty="0">
+              <a:latin typeface="04b11" panose="00000400000000000000" pitchFamily="2" charset="0"/>
+            </a:endParaRPr>
+          </a:p>
+          <a:p>
             <a:r>
               <a:rPr lang="de-DE" dirty="0">
                 <a:latin typeface="04b11" panose="00000400000000000000" pitchFamily="2" charset="0"/>
               </a:rPr>
-              <a:t> ist der Gegner</a:t>
-            </a:r>
-          </a:p>
-          <a:p>
+              <a:t>FIND THE SECRET ARTIFACT</a:t>
+            </a:r>
+          </a:p>
+          <a:p>
+            <a:endParaRPr lang="de-DE" dirty="0">
+              <a:latin typeface="04b11" panose="00000400000000000000" pitchFamily="2" charset="0"/>
+            </a:endParaRPr>
+          </a:p>
+          <a:p>
+            <a:endParaRPr lang="de-DE" dirty="0">
+              <a:latin typeface="04b11" panose="00000400000000000000" pitchFamily="2" charset="0"/>
+            </a:endParaRPr>
+          </a:p>
+          <a:p>
+            <a:r>
+              <a:rPr lang="de-AT" dirty="0">
+                <a:latin typeface="04b11" panose="00000400000000000000" pitchFamily="2" charset="0"/>
+              </a:rPr>
+              <a:t>C</a:t>
+            </a:r>
             <a:r>
               <a:rPr lang="de-DE" dirty="0">
                 <a:latin typeface="04b11" panose="00000400000000000000" pitchFamily="2" charset="0"/>
               </a:rPr>
-              <a:t>Finde das geheime Artefakt</a:t>
-            </a:r>
-          </a:p>
-          <a:p>
-            <a:endParaRPr lang="de-DE" dirty="0">
-              <a:latin typeface="04b11" panose="00000400000000000000" pitchFamily="2" charset="0"/>
-            </a:endParaRPr>
-          </a:p>
-          <a:p>
-            <a:endParaRPr lang="de-DE" dirty="0">
-              <a:latin typeface="04b11" panose="00000400000000000000" pitchFamily="2" charset="0"/>
-            </a:endParaRPr>
-          </a:p>
-          <a:p>
-            <a:r>
-              <a:rPr lang="de-DE" dirty="0">
-                <a:latin typeface="04b11" panose="00000400000000000000" pitchFamily="2" charset="0"/>
-              </a:rPr>
-              <a:t>Checkpoints gegen Frust</a:t>
+              <a:t>HECKPOINTS</a:t>
             </a:r>
           </a:p>
         </p:txBody>
